--- a/ETL-Project-Group-1_ah.pptx
+++ b/ETL-Project-Group-1_ah.pptx
@@ -109,7 +109,7 @@
   </p:defaultTextStyle>
   <p:extLst>
     <p:ext uri="{EFAFB233-063F-42B5-8137-9DF3F51BA10A}">
-      <p15:sldGuideLst xmlns="" xmlns:p15="http://schemas.microsoft.com/office/powerpoint/2012/main"/>
+      <p15:sldGuideLst xmlns:p15="http://schemas.microsoft.com/office/powerpoint/2012/main" xmlns=""/>
     </p:ext>
   </p:extLst>
 </p:presentation>
@@ -890,7 +890,7 @@
     </p:spTree>
     <p:extLst>
       <p:ext uri="{BB962C8B-B14F-4D97-AF65-F5344CB8AC3E}">
-        <p14:creationId xmlns="" xmlns:p14="http://schemas.microsoft.com/office/powerpoint/2010/main" val="2261945191"/>
+        <p14:creationId xmlns:p14="http://schemas.microsoft.com/office/powerpoint/2010/main" xmlns="" val="2261945191"/>
       </p:ext>
     </p:extLst>
   </p:cSld>
@@ -1143,7 +1143,7 @@
     </p:spTree>
     <p:extLst>
       <p:ext uri="{BB962C8B-B14F-4D97-AF65-F5344CB8AC3E}">
-        <p14:creationId xmlns="" xmlns:p14="http://schemas.microsoft.com/office/powerpoint/2010/main" val="3625122758"/>
+        <p14:creationId xmlns:p14="http://schemas.microsoft.com/office/powerpoint/2010/main" xmlns="" val="3625122758"/>
       </p:ext>
     </p:extLst>
   </p:cSld>
@@ -1549,7 +1549,7 @@
     </p:spTree>
     <p:extLst>
       <p:ext uri="{BB962C8B-B14F-4D97-AF65-F5344CB8AC3E}">
-        <p14:creationId xmlns="" xmlns:p14="http://schemas.microsoft.com/office/powerpoint/2010/main" val="3018641424"/>
+        <p14:creationId xmlns:p14="http://schemas.microsoft.com/office/powerpoint/2010/main" xmlns="" val="3018641424"/>
       </p:ext>
     </p:extLst>
   </p:cSld>
@@ -1802,7 +1802,7 @@
     </p:spTree>
     <p:extLst>
       <p:ext uri="{BB962C8B-B14F-4D97-AF65-F5344CB8AC3E}">
-        <p14:creationId xmlns="" xmlns:p14="http://schemas.microsoft.com/office/powerpoint/2010/main" val="955014624"/>
+        <p14:creationId xmlns:p14="http://schemas.microsoft.com/office/powerpoint/2010/main" xmlns="" val="955014624"/>
       </p:ext>
     </p:extLst>
   </p:cSld>
@@ -2200,7 +2200,7 @@
     </p:spTree>
     <p:extLst>
       <p:ext uri="{BB962C8B-B14F-4D97-AF65-F5344CB8AC3E}">
-        <p14:creationId xmlns="" xmlns:p14="http://schemas.microsoft.com/office/powerpoint/2010/main" val="1457521168"/>
+        <p14:creationId xmlns:p14="http://schemas.microsoft.com/office/powerpoint/2010/main" xmlns="" val="1457521168"/>
       </p:ext>
     </p:extLst>
   </p:cSld>
@@ -2513,7 +2513,7 @@
     </p:spTree>
     <p:extLst>
       <p:ext uri="{BB962C8B-B14F-4D97-AF65-F5344CB8AC3E}">
-        <p14:creationId xmlns="" xmlns:p14="http://schemas.microsoft.com/office/powerpoint/2010/main" val="418859838"/>
+        <p14:creationId xmlns:p14="http://schemas.microsoft.com/office/powerpoint/2010/main" xmlns="" val="418859838"/>
       </p:ext>
     </p:extLst>
   </p:cSld>
@@ -2685,7 +2685,7 @@
     </p:spTree>
     <p:extLst>
       <p:ext uri="{BB962C8B-B14F-4D97-AF65-F5344CB8AC3E}">
-        <p14:creationId xmlns="" xmlns:p14="http://schemas.microsoft.com/office/powerpoint/2010/main" val="1711357729"/>
+        <p14:creationId xmlns:p14="http://schemas.microsoft.com/office/powerpoint/2010/main" xmlns="" val="1711357729"/>
       </p:ext>
     </p:extLst>
   </p:cSld>
@@ -2867,7 +2867,7 @@
     </p:spTree>
     <p:extLst>
       <p:ext uri="{BB962C8B-B14F-4D97-AF65-F5344CB8AC3E}">
-        <p14:creationId xmlns="" xmlns:p14="http://schemas.microsoft.com/office/powerpoint/2010/main" val="3525712757"/>
+        <p14:creationId xmlns:p14="http://schemas.microsoft.com/office/powerpoint/2010/main" xmlns="" val="3525712757"/>
       </p:ext>
     </p:extLst>
   </p:cSld>
@@ -3045,7 +3045,7 @@
     </p:spTree>
     <p:extLst>
       <p:ext uri="{BB962C8B-B14F-4D97-AF65-F5344CB8AC3E}">
-        <p14:creationId xmlns="" xmlns:p14="http://schemas.microsoft.com/office/powerpoint/2010/main" val="2978982928"/>
+        <p14:creationId xmlns:p14="http://schemas.microsoft.com/office/powerpoint/2010/main" xmlns="" val="2978982928"/>
       </p:ext>
     </p:extLst>
   </p:cSld>
@@ -3294,7 +3294,7 @@
     </p:spTree>
     <p:extLst>
       <p:ext uri="{BB962C8B-B14F-4D97-AF65-F5344CB8AC3E}">
-        <p14:creationId xmlns="" xmlns:p14="http://schemas.microsoft.com/office/powerpoint/2010/main" val="3162409223"/>
+        <p14:creationId xmlns:p14="http://schemas.microsoft.com/office/powerpoint/2010/main" xmlns="" val="3162409223"/>
       </p:ext>
     </p:extLst>
   </p:cSld>
@@ -3528,7 +3528,7 @@
     </p:spTree>
     <p:extLst>
       <p:ext uri="{BB962C8B-B14F-4D97-AF65-F5344CB8AC3E}">
-        <p14:creationId xmlns="" xmlns:p14="http://schemas.microsoft.com/office/powerpoint/2010/main" val="1716818420"/>
+        <p14:creationId xmlns:p14="http://schemas.microsoft.com/office/powerpoint/2010/main" xmlns="" val="1716818420"/>
       </p:ext>
     </p:extLst>
   </p:cSld>
@@ -3904,7 +3904,7 @@
     </p:spTree>
     <p:extLst>
       <p:ext uri="{BB962C8B-B14F-4D97-AF65-F5344CB8AC3E}">
-        <p14:creationId xmlns="" xmlns:p14="http://schemas.microsoft.com/office/powerpoint/2010/main" val="3684730793"/>
+        <p14:creationId xmlns:p14="http://schemas.microsoft.com/office/powerpoint/2010/main" xmlns="" val="3684730793"/>
       </p:ext>
     </p:extLst>
   </p:cSld>
@@ -4029,7 +4029,7 @@
     </p:spTree>
     <p:extLst>
       <p:ext uri="{BB962C8B-B14F-4D97-AF65-F5344CB8AC3E}">
-        <p14:creationId xmlns="" xmlns:p14="http://schemas.microsoft.com/office/powerpoint/2010/main" val="2144565134"/>
+        <p14:creationId xmlns:p14="http://schemas.microsoft.com/office/powerpoint/2010/main" xmlns="" val="2144565134"/>
       </p:ext>
     </p:extLst>
   </p:cSld>
@@ -4126,7 +4126,7 @@
     </p:spTree>
     <p:extLst>
       <p:ext uri="{BB962C8B-B14F-4D97-AF65-F5344CB8AC3E}">
-        <p14:creationId xmlns="" xmlns:p14="http://schemas.microsoft.com/office/powerpoint/2010/main" val="813231777"/>
+        <p14:creationId xmlns:p14="http://schemas.microsoft.com/office/powerpoint/2010/main" xmlns="" val="813231777"/>
       </p:ext>
     </p:extLst>
   </p:cSld>
@@ -4383,7 +4383,7 @@
     </p:spTree>
     <p:extLst>
       <p:ext uri="{BB962C8B-B14F-4D97-AF65-F5344CB8AC3E}">
-        <p14:creationId xmlns="" xmlns:p14="http://schemas.microsoft.com/office/powerpoint/2010/main" val="2994627074"/>
+        <p14:creationId xmlns:p14="http://schemas.microsoft.com/office/powerpoint/2010/main" xmlns="" val="2994627074"/>
       </p:ext>
     </p:extLst>
   </p:cSld>
@@ -4648,7 +4648,7 @@
     </p:spTree>
     <p:extLst>
       <p:ext uri="{BB962C8B-B14F-4D97-AF65-F5344CB8AC3E}">
-        <p14:creationId xmlns="" xmlns:p14="http://schemas.microsoft.com/office/powerpoint/2010/main" val="1442211110"/>
+        <p14:creationId xmlns:p14="http://schemas.microsoft.com/office/powerpoint/2010/main" xmlns="" val="1442211110"/>
       </p:ext>
     </p:extLst>
   </p:cSld>
@@ -5427,7 +5427,7 @@
     </p:spTree>
     <p:extLst>
       <p:ext uri="{BB962C8B-B14F-4D97-AF65-F5344CB8AC3E}">
-        <p14:creationId xmlns="" xmlns:p14="http://schemas.microsoft.com/office/powerpoint/2010/main" val="1394939789"/>
+        <p14:creationId xmlns:p14="http://schemas.microsoft.com/office/powerpoint/2010/main" xmlns="" val="1394939789"/>
       </p:ext>
     </p:extLst>
   </p:cSld>
@@ -5879,7 +5879,7 @@
           <p:cNvPr id="2" name="Title 1">
             <a:extLst>
               <a:ext uri="{FF2B5EF4-FFF2-40B4-BE49-F238E27FC236}">
-                <a16:creationId xmlns="" xmlns:a16="http://schemas.microsoft.com/office/drawing/2014/main" id="{5D77F288-D65B-4FEF-BA85-F9795B49B36C}"/>
+                <a16:creationId xmlns:a16="http://schemas.microsoft.com/office/drawing/2014/main" xmlns="" id="{5D77F288-D65B-4FEF-BA85-F9795B49B36C}"/>
               </a:ext>
             </a:extLst>
           </p:cNvPr>
@@ -5917,7 +5917,7 @@
           <p:cNvPr id="3" name="Subtitle 2">
             <a:extLst>
               <a:ext uri="{FF2B5EF4-FFF2-40B4-BE49-F238E27FC236}">
-                <a16:creationId xmlns="" xmlns:a16="http://schemas.microsoft.com/office/drawing/2014/main" id="{28506FDE-D867-4BD1-B727-CAE4281CCF98}"/>
+                <a16:creationId xmlns:a16="http://schemas.microsoft.com/office/drawing/2014/main" xmlns="" id="{28506FDE-D867-4BD1-B727-CAE4281CCF98}"/>
               </a:ext>
             </a:extLst>
           </p:cNvPr>
@@ -6003,7 +6003,7 @@
           <p:cNvPr id="5" name="TextBox 4">
             <a:extLst>
               <a:ext uri="{FF2B5EF4-FFF2-40B4-BE49-F238E27FC236}">
-                <a16:creationId xmlns="" xmlns:a16="http://schemas.microsoft.com/office/drawing/2014/main" id="{3A784B76-FFC3-4B57-A446-CBE01ECDEF0C}"/>
+                <a16:creationId xmlns:a16="http://schemas.microsoft.com/office/drawing/2014/main" xmlns="" id="{3A784B76-FFC3-4B57-A446-CBE01ECDEF0C}"/>
               </a:ext>
             </a:extLst>
           </p:cNvPr>
@@ -6115,7 +6115,7 @@
     </p:spTree>
     <p:extLst>
       <p:ext uri="{BB962C8B-B14F-4D97-AF65-F5344CB8AC3E}">
-        <p14:creationId xmlns="" xmlns:p14="http://schemas.microsoft.com/office/powerpoint/2010/main" val="1873721"/>
+        <p14:creationId xmlns:p14="http://schemas.microsoft.com/office/powerpoint/2010/main" xmlns="" val="1873721"/>
       </p:ext>
     </p:extLst>
   </p:cSld>
@@ -6154,7 +6154,7 @@
           <p:cNvPr id="2" name="Title 1">
             <a:extLst>
               <a:ext uri="{FF2B5EF4-FFF2-40B4-BE49-F238E27FC236}">
-                <a16:creationId xmlns="" xmlns:a16="http://schemas.microsoft.com/office/drawing/2014/main" id="{0FF4D5E7-A04E-4902-8C23-1F1612D6638C}"/>
+                <a16:creationId xmlns:a16="http://schemas.microsoft.com/office/drawing/2014/main" xmlns="" id="{0FF4D5E7-A04E-4902-8C23-1F1612D6638C}"/>
               </a:ext>
             </a:extLst>
           </p:cNvPr>
@@ -6191,7 +6191,7 @@
           <p:cNvPr id="3" name="Content Placeholder 2">
             <a:extLst>
               <a:ext uri="{FF2B5EF4-FFF2-40B4-BE49-F238E27FC236}">
-                <a16:creationId xmlns="" xmlns:a16="http://schemas.microsoft.com/office/drawing/2014/main" id="{F413EB06-2644-4ED8-905C-42BDFE2C43A4}"/>
+                <a16:creationId xmlns:a16="http://schemas.microsoft.com/office/drawing/2014/main" xmlns="" id="{F413EB06-2644-4ED8-905C-42BDFE2C43A4}"/>
               </a:ext>
             </a:extLst>
           </p:cNvPr>
@@ -6288,7 +6288,7 @@
           <p:cNvPr id="4" name="Content Placeholder 3">
             <a:extLst>
               <a:ext uri="{FF2B5EF4-FFF2-40B4-BE49-F238E27FC236}">
-                <a16:creationId xmlns="" xmlns:a16="http://schemas.microsoft.com/office/drawing/2014/main" id="{9CAE7178-E782-4D1F-A99F-56290705CA49}"/>
+                <a16:creationId xmlns:a16="http://schemas.microsoft.com/office/drawing/2014/main" xmlns="" id="{9CAE7178-E782-4D1F-A99F-56290705CA49}"/>
               </a:ext>
             </a:extLst>
           </p:cNvPr>
@@ -6373,15 +6373,7 @@
                   <a:schemeClr val="tx1"/>
                 </a:solidFill>
               </a:rPr>
-              <a:t>6</a:t>
-            </a:r>
-            <a:r>
-              <a:rPr lang="en-US" sz="1400" dirty="0" smtClean="0">
-                <a:solidFill>
-                  <a:schemeClr val="tx1"/>
-                </a:solidFill>
-              </a:rPr>
-              <a:t> </a:t>
+              <a:t>6 </a:t>
             </a:r>
             <a:r>
               <a:rPr lang="en-US" sz="1400" dirty="0">
@@ -6490,23 +6482,7 @@
                   <a:schemeClr val="tx1"/>
                 </a:solidFill>
               </a:rPr>
-              <a:t>Data </a:t>
-            </a:r>
-            <a:r>
-              <a:rPr lang="en-AU" sz="1600" dirty="0" smtClean="0">
-                <a:solidFill>
-                  <a:schemeClr val="tx1"/>
-                </a:solidFill>
-              </a:rPr>
-              <a:t>sources </a:t>
-            </a:r>
-            <a:r>
-              <a:rPr lang="en-AU" sz="1600" dirty="0" smtClean="0">
-                <a:solidFill>
-                  <a:schemeClr val="tx1"/>
-                </a:solidFill>
-              </a:rPr>
-              <a:t>URLs</a:t>
+              <a:t>Data sources URLs</a:t>
             </a:r>
             <a:r>
               <a:rPr lang="en-AU" sz="1600" dirty="0" smtClean="0"/>
@@ -6538,15 +6514,7 @@
                   <a:schemeClr val="tx1"/>
                 </a:solidFill>
               </a:rPr>
-              <a:t> https://</a:t>
-            </a:r>
-            <a:r>
-              <a:rPr lang="en-US" sz="1400" dirty="0" smtClean="0">
-                <a:solidFill>
-                  <a:schemeClr val="tx1"/>
-                </a:solidFill>
-              </a:rPr>
-              <a:t>www.kaggle.com/juanmah/world-cities</a:t>
+              <a:t> https://www.kaggle.com/juanmah/world-cities</a:t>
             </a:r>
           </a:p>
           <a:p>
@@ -6579,7 +6547,7 @@
     </p:spTree>
     <p:extLst>
       <p:ext uri="{BB962C8B-B14F-4D97-AF65-F5344CB8AC3E}">
-        <p14:creationId xmlns="" xmlns:p14="http://schemas.microsoft.com/office/powerpoint/2010/main" val="2521745381"/>
+        <p14:creationId xmlns:p14="http://schemas.microsoft.com/office/powerpoint/2010/main" xmlns="" val="2521745381"/>
       </p:ext>
     </p:extLst>
   </p:cSld>
@@ -6618,7 +6586,7 @@
           <p:cNvPr id="2" name="Title 1">
             <a:extLst>
               <a:ext uri="{FF2B5EF4-FFF2-40B4-BE49-F238E27FC236}">
-                <a16:creationId xmlns="" xmlns:a16="http://schemas.microsoft.com/office/drawing/2014/main" id="{2C09392E-FF36-4A1D-B40E-9BB9DBBA3970}"/>
+                <a16:creationId xmlns:a16="http://schemas.microsoft.com/office/drawing/2014/main" xmlns="" id="{2C09392E-FF36-4A1D-B40E-9BB9DBBA3970}"/>
               </a:ext>
             </a:extLst>
           </p:cNvPr>
@@ -6655,7 +6623,7 @@
           <p:cNvPr id="3" name="Content Placeholder 2">
             <a:extLst>
               <a:ext uri="{FF2B5EF4-FFF2-40B4-BE49-F238E27FC236}">
-                <a16:creationId xmlns="" xmlns:a16="http://schemas.microsoft.com/office/drawing/2014/main" id="{EEAB643A-AA04-4F7E-86ED-94A3449430BF}"/>
+                <a16:creationId xmlns:a16="http://schemas.microsoft.com/office/drawing/2014/main" xmlns="" id="{EEAB643A-AA04-4F7E-86ED-94A3449430BF}"/>
               </a:ext>
             </a:extLst>
           </p:cNvPr>
@@ -6764,7 +6732,7 @@
     </p:spTree>
     <p:extLst>
       <p:ext uri="{BB962C8B-B14F-4D97-AF65-F5344CB8AC3E}">
-        <p14:creationId xmlns="" xmlns:p14="http://schemas.microsoft.com/office/powerpoint/2010/main" val="3565044315"/>
+        <p14:creationId xmlns:p14="http://schemas.microsoft.com/office/powerpoint/2010/main" xmlns="" val="3565044315"/>
       </p:ext>
     </p:extLst>
   </p:cSld>
@@ -6803,7 +6771,7 @@
           <p:cNvPr id="2" name="Title 1">
             <a:extLst>
               <a:ext uri="{FF2B5EF4-FFF2-40B4-BE49-F238E27FC236}">
-                <a16:creationId xmlns="" xmlns:a16="http://schemas.microsoft.com/office/drawing/2014/main" id="{2C09392E-FF36-4A1D-B40E-9BB9DBBA3970}"/>
+                <a16:creationId xmlns:a16="http://schemas.microsoft.com/office/drawing/2014/main" xmlns="" id="{2C09392E-FF36-4A1D-B40E-9BB9DBBA3970}"/>
               </a:ext>
             </a:extLst>
           </p:cNvPr>
@@ -6824,7 +6792,6 @@
           <a:bodyPr/>
           <a:lstStyle/>
           <a:p>
-            <a:pPr algn="ctr"/>
             <a:r>
               <a:rPr lang="en-AU" dirty="0" smtClean="0">
                 <a:solidFill>
@@ -6846,7 +6813,7 @@
           <p:cNvPr id="3" name="Content Placeholder 2">
             <a:extLst>
               <a:ext uri="{FF2B5EF4-FFF2-40B4-BE49-F238E27FC236}">
-                <a16:creationId xmlns="" xmlns:a16="http://schemas.microsoft.com/office/drawing/2014/main" id="{EEAB643A-AA04-4F7E-86ED-94A3449430BF}"/>
+                <a16:creationId xmlns:a16="http://schemas.microsoft.com/office/drawing/2014/main" xmlns="" id="{EEAB643A-AA04-4F7E-86ED-94A3449430BF}"/>
               </a:ext>
             </a:extLst>
           </p:cNvPr>
@@ -7101,7 +7068,7 @@
     </p:spTree>
     <p:extLst>
       <p:ext uri="{BB962C8B-B14F-4D97-AF65-F5344CB8AC3E}">
-        <p14:creationId xmlns="" xmlns:p14="http://schemas.microsoft.com/office/powerpoint/2010/main" val="3565044315"/>
+        <p14:creationId xmlns:p14="http://schemas.microsoft.com/office/powerpoint/2010/main" xmlns="" val="3565044315"/>
       </p:ext>
     </p:extLst>
   </p:cSld>
@@ -7369,7 +7336,7 @@
   <a:extraClrSchemeLst/>
   <a:extLst>
     <a:ext uri="{05A4C25C-085E-4340-85A3-A5531E510DB2}">
-      <thm15:themeFamily xmlns="" xmlns:thm15="http://schemas.microsoft.com/office/thememl/2012/main" name="Facet" id="{C0C680CD-088A-49FC-A102-D699147F32B2}" vid="{CFBC31BA-B70F-4F30-BCAA-4F3011E16C4D}"/>
+      <thm15:themeFamily xmlns:thm15="http://schemas.microsoft.com/office/thememl/2012/main" xmlns="" name="Facet" id="{C0C680CD-088A-49FC-A102-D699147F32B2}" vid="{CFBC31BA-B70F-4F30-BCAA-4F3011E16C4D}"/>
     </a:ext>
   </a:extLst>
 </a:theme>

--- a/ETL-Project-Group-1_ah.pptx
+++ b/ETL-Project-Group-1_ah.pptx
@@ -109,7 +109,18 @@
   </p:defaultTextStyle>
   <p:extLst>
     <p:ext uri="{EFAFB233-063F-42B5-8137-9DF3F51BA10A}">
-      <p15:sldGuideLst xmlns="" xmlns:p15="http://schemas.microsoft.com/office/powerpoint/2012/main"/>
+      <p15:sldGuideLst xmlns:p15="http://schemas.microsoft.com/office/powerpoint/2012/main">
+        <p15:guide id="1" orient="horz" pos="2160">
+          <p15:clr>
+            <a:srgbClr val="A4A3A4"/>
+          </p15:clr>
+        </p15:guide>
+        <p15:guide id="2" pos="3840">
+          <p15:clr>
+            <a:srgbClr val="A4A3A4"/>
+          </p15:clr>
+        </p15:guide>
+      </p15:sldGuideLst>
     </p:ext>
   </p:extLst>
 </p:presentation>
@@ -890,7 +901,7 @@
     </p:spTree>
     <p:extLst>
       <p:ext uri="{BB962C8B-B14F-4D97-AF65-F5344CB8AC3E}">
-        <p14:creationId xmlns="" xmlns:p14="http://schemas.microsoft.com/office/powerpoint/2010/main" val="2261945191"/>
+        <p14:creationId xmlns:p14="http://schemas.microsoft.com/office/powerpoint/2010/main" val="2261945191"/>
       </p:ext>
     </p:extLst>
   </p:cSld>
@@ -1143,7 +1154,7 @@
     </p:spTree>
     <p:extLst>
       <p:ext uri="{BB962C8B-B14F-4D97-AF65-F5344CB8AC3E}">
-        <p14:creationId xmlns="" xmlns:p14="http://schemas.microsoft.com/office/powerpoint/2010/main" val="3625122758"/>
+        <p14:creationId xmlns:p14="http://schemas.microsoft.com/office/powerpoint/2010/main" val="3625122758"/>
       </p:ext>
     </p:extLst>
   </p:cSld>
@@ -1549,7 +1560,7 @@
     </p:spTree>
     <p:extLst>
       <p:ext uri="{BB962C8B-B14F-4D97-AF65-F5344CB8AC3E}">
-        <p14:creationId xmlns="" xmlns:p14="http://schemas.microsoft.com/office/powerpoint/2010/main" val="3018641424"/>
+        <p14:creationId xmlns:p14="http://schemas.microsoft.com/office/powerpoint/2010/main" val="3018641424"/>
       </p:ext>
     </p:extLst>
   </p:cSld>
@@ -1802,7 +1813,7 @@
     </p:spTree>
     <p:extLst>
       <p:ext uri="{BB962C8B-B14F-4D97-AF65-F5344CB8AC3E}">
-        <p14:creationId xmlns="" xmlns:p14="http://schemas.microsoft.com/office/powerpoint/2010/main" val="955014624"/>
+        <p14:creationId xmlns:p14="http://schemas.microsoft.com/office/powerpoint/2010/main" val="955014624"/>
       </p:ext>
     </p:extLst>
   </p:cSld>
@@ -2200,7 +2211,7 @@
     </p:spTree>
     <p:extLst>
       <p:ext uri="{BB962C8B-B14F-4D97-AF65-F5344CB8AC3E}">
-        <p14:creationId xmlns="" xmlns:p14="http://schemas.microsoft.com/office/powerpoint/2010/main" val="1457521168"/>
+        <p14:creationId xmlns:p14="http://schemas.microsoft.com/office/powerpoint/2010/main" val="1457521168"/>
       </p:ext>
     </p:extLst>
   </p:cSld>
@@ -2513,7 +2524,7 @@
     </p:spTree>
     <p:extLst>
       <p:ext uri="{BB962C8B-B14F-4D97-AF65-F5344CB8AC3E}">
-        <p14:creationId xmlns="" xmlns:p14="http://schemas.microsoft.com/office/powerpoint/2010/main" val="418859838"/>
+        <p14:creationId xmlns:p14="http://schemas.microsoft.com/office/powerpoint/2010/main" val="418859838"/>
       </p:ext>
     </p:extLst>
   </p:cSld>
@@ -2685,7 +2696,7 @@
     </p:spTree>
     <p:extLst>
       <p:ext uri="{BB962C8B-B14F-4D97-AF65-F5344CB8AC3E}">
-        <p14:creationId xmlns="" xmlns:p14="http://schemas.microsoft.com/office/powerpoint/2010/main" val="1711357729"/>
+        <p14:creationId xmlns:p14="http://schemas.microsoft.com/office/powerpoint/2010/main" val="1711357729"/>
       </p:ext>
     </p:extLst>
   </p:cSld>
@@ -2867,7 +2878,7 @@
     </p:spTree>
     <p:extLst>
       <p:ext uri="{BB962C8B-B14F-4D97-AF65-F5344CB8AC3E}">
-        <p14:creationId xmlns="" xmlns:p14="http://schemas.microsoft.com/office/powerpoint/2010/main" val="3525712757"/>
+        <p14:creationId xmlns:p14="http://schemas.microsoft.com/office/powerpoint/2010/main" val="3525712757"/>
       </p:ext>
     </p:extLst>
   </p:cSld>
@@ -3045,7 +3056,7 @@
     </p:spTree>
     <p:extLst>
       <p:ext uri="{BB962C8B-B14F-4D97-AF65-F5344CB8AC3E}">
-        <p14:creationId xmlns="" xmlns:p14="http://schemas.microsoft.com/office/powerpoint/2010/main" val="2978982928"/>
+        <p14:creationId xmlns:p14="http://schemas.microsoft.com/office/powerpoint/2010/main" val="2978982928"/>
       </p:ext>
     </p:extLst>
   </p:cSld>
@@ -3294,7 +3305,7 @@
     </p:spTree>
     <p:extLst>
       <p:ext uri="{BB962C8B-B14F-4D97-AF65-F5344CB8AC3E}">
-        <p14:creationId xmlns="" xmlns:p14="http://schemas.microsoft.com/office/powerpoint/2010/main" val="3162409223"/>
+        <p14:creationId xmlns:p14="http://schemas.microsoft.com/office/powerpoint/2010/main" val="3162409223"/>
       </p:ext>
     </p:extLst>
   </p:cSld>
@@ -3528,7 +3539,7 @@
     </p:spTree>
     <p:extLst>
       <p:ext uri="{BB962C8B-B14F-4D97-AF65-F5344CB8AC3E}">
-        <p14:creationId xmlns="" xmlns:p14="http://schemas.microsoft.com/office/powerpoint/2010/main" val="1716818420"/>
+        <p14:creationId xmlns:p14="http://schemas.microsoft.com/office/powerpoint/2010/main" val="1716818420"/>
       </p:ext>
     </p:extLst>
   </p:cSld>
@@ -3904,7 +3915,7 @@
     </p:spTree>
     <p:extLst>
       <p:ext uri="{BB962C8B-B14F-4D97-AF65-F5344CB8AC3E}">
-        <p14:creationId xmlns="" xmlns:p14="http://schemas.microsoft.com/office/powerpoint/2010/main" val="3684730793"/>
+        <p14:creationId xmlns:p14="http://schemas.microsoft.com/office/powerpoint/2010/main" val="3684730793"/>
       </p:ext>
     </p:extLst>
   </p:cSld>
@@ -4029,7 +4040,7 @@
     </p:spTree>
     <p:extLst>
       <p:ext uri="{BB962C8B-B14F-4D97-AF65-F5344CB8AC3E}">
-        <p14:creationId xmlns="" xmlns:p14="http://schemas.microsoft.com/office/powerpoint/2010/main" val="2144565134"/>
+        <p14:creationId xmlns:p14="http://schemas.microsoft.com/office/powerpoint/2010/main" val="2144565134"/>
       </p:ext>
     </p:extLst>
   </p:cSld>
@@ -4126,7 +4137,7 @@
     </p:spTree>
     <p:extLst>
       <p:ext uri="{BB962C8B-B14F-4D97-AF65-F5344CB8AC3E}">
-        <p14:creationId xmlns="" xmlns:p14="http://schemas.microsoft.com/office/powerpoint/2010/main" val="813231777"/>
+        <p14:creationId xmlns:p14="http://schemas.microsoft.com/office/powerpoint/2010/main" val="813231777"/>
       </p:ext>
     </p:extLst>
   </p:cSld>
@@ -4383,7 +4394,7 @@
     </p:spTree>
     <p:extLst>
       <p:ext uri="{BB962C8B-B14F-4D97-AF65-F5344CB8AC3E}">
-        <p14:creationId xmlns="" xmlns:p14="http://schemas.microsoft.com/office/powerpoint/2010/main" val="2994627074"/>
+        <p14:creationId xmlns:p14="http://schemas.microsoft.com/office/powerpoint/2010/main" val="2994627074"/>
       </p:ext>
     </p:extLst>
   </p:cSld>
@@ -4648,7 +4659,7 @@
     </p:spTree>
     <p:extLst>
       <p:ext uri="{BB962C8B-B14F-4D97-AF65-F5344CB8AC3E}">
-        <p14:creationId xmlns="" xmlns:p14="http://schemas.microsoft.com/office/powerpoint/2010/main" val="1442211110"/>
+        <p14:creationId xmlns:p14="http://schemas.microsoft.com/office/powerpoint/2010/main" val="1442211110"/>
       </p:ext>
     </p:extLst>
   </p:cSld>
@@ -5427,7 +5438,7 @@
     </p:spTree>
     <p:extLst>
       <p:ext uri="{BB962C8B-B14F-4D97-AF65-F5344CB8AC3E}">
-        <p14:creationId xmlns="" xmlns:p14="http://schemas.microsoft.com/office/powerpoint/2010/main" val="1394939789"/>
+        <p14:creationId xmlns:p14="http://schemas.microsoft.com/office/powerpoint/2010/main" val="1394939789"/>
       </p:ext>
     </p:extLst>
   </p:cSld>
@@ -5879,7 +5890,7 @@
           <p:cNvPr id="2" name="Title 1">
             <a:extLst>
               <a:ext uri="{FF2B5EF4-FFF2-40B4-BE49-F238E27FC236}">
-                <a16:creationId xmlns="" xmlns:a16="http://schemas.microsoft.com/office/drawing/2014/main" id="{5D77F288-D65B-4FEF-BA85-F9795B49B36C}"/>
+                <a16:creationId xmlns:a16="http://schemas.microsoft.com/office/drawing/2014/main" id="{5D77F288-D65B-4FEF-BA85-F9795B49B36C}"/>
               </a:ext>
             </a:extLst>
           </p:cNvPr>
@@ -5917,7 +5928,7 @@
           <p:cNvPr id="3" name="Subtitle 2">
             <a:extLst>
               <a:ext uri="{FF2B5EF4-FFF2-40B4-BE49-F238E27FC236}">
-                <a16:creationId xmlns="" xmlns:a16="http://schemas.microsoft.com/office/drawing/2014/main" id="{28506FDE-D867-4BD1-B727-CAE4281CCF98}"/>
+                <a16:creationId xmlns:a16="http://schemas.microsoft.com/office/drawing/2014/main" id="{28506FDE-D867-4BD1-B727-CAE4281CCF98}"/>
               </a:ext>
             </a:extLst>
           </p:cNvPr>
@@ -5942,7 +5953,7 @@
           <a:p>
             <a:pPr algn="l"/>
             <a:r>
-              <a:rPr lang="en-US" sz="3100" b="1" dirty="0" err="1" smtClean="0">
+              <a:rPr lang="en-US" sz="3100" b="1" dirty="0" err="1">
                 <a:solidFill>
                   <a:schemeClr val="tx1"/>
                 </a:solidFill>
@@ -5950,7 +5961,7 @@
               <a:t>Quacquarelli</a:t>
             </a:r>
             <a:r>
-              <a:rPr lang="en-US" sz="3100" b="1" dirty="0" smtClean="0">
+              <a:rPr lang="en-US" sz="3100" b="1" dirty="0">
                 <a:solidFill>
                   <a:schemeClr val="tx1"/>
                 </a:solidFill>
@@ -5961,33 +5972,17 @@
           <a:p>
             <a:pPr algn="l"/>
             <a:r>
-              <a:rPr lang="en-US" sz="3200" b="1" dirty="0" smtClean="0">
+              <a:rPr lang="en-US" sz="3200" b="1" dirty="0">
                 <a:solidFill>
                   <a:schemeClr val="tx1"/>
                 </a:solidFill>
               </a:rPr>
-              <a:t>World </a:t>
-            </a:r>
-            <a:r>
-              <a:rPr lang="en-US" sz="3200" b="1" dirty="0">
-                <a:solidFill>
-                  <a:schemeClr val="tx1"/>
-                </a:solidFill>
-              </a:rPr>
-              <a:t>University Rankings </a:t>
-            </a:r>
-            <a:r>
-              <a:rPr lang="en-US" sz="3200" b="1" dirty="0" smtClean="0">
-                <a:solidFill>
-                  <a:schemeClr val="tx1"/>
-                </a:solidFill>
-              </a:rPr>
-              <a:t>2017-2022</a:t>
+              <a:t>World University Rankings 2017-2022</a:t>
             </a:r>
           </a:p>
           <a:p>
             <a:pPr algn="l"/>
-            <a:endParaRPr lang="en-US" sz="3200" b="1" dirty="0" smtClean="0">
+            <a:endParaRPr lang="en-US" sz="3200" b="1" dirty="0">
               <a:solidFill>
                 <a:schemeClr val="tx1"/>
               </a:solidFill>
@@ -6003,7 +5998,7 @@
           <p:cNvPr id="5" name="TextBox 4">
             <a:extLst>
               <a:ext uri="{FF2B5EF4-FFF2-40B4-BE49-F238E27FC236}">
-                <a16:creationId xmlns="" xmlns:a16="http://schemas.microsoft.com/office/drawing/2014/main" id="{3A784B76-FFC3-4B57-A446-CBE01ECDEF0C}"/>
+                <a16:creationId xmlns:a16="http://schemas.microsoft.com/office/drawing/2014/main" id="{3A784B76-FFC3-4B57-A446-CBE01ECDEF0C}"/>
               </a:ext>
             </a:extLst>
           </p:cNvPr>
@@ -6057,16 +6052,6 @@
                 <a:latin typeface="-apple-system"/>
               </a:rPr>
               <a:t> </a:t>
-            </a:r>
-            <a:r>
-              <a:rPr lang="en-AU" b="0" dirty="0">
-                <a:solidFill>
-                  <a:srgbClr val="D4D4D4"/>
-                </a:solidFill>
-                <a:effectLst/>
-                <a:latin typeface="Consolas" panose="020B0609020204030204" pitchFamily="49" charset="0"/>
-              </a:rPr>
-              <a:t/>
             </a:r>
             <a:br>
               <a:rPr lang="en-AU" b="0" dirty="0">
@@ -6115,20 +6100,13 @@
     </p:spTree>
     <p:extLst>
       <p:ext uri="{BB962C8B-B14F-4D97-AF65-F5344CB8AC3E}">
-        <p14:creationId xmlns="" xmlns:p14="http://schemas.microsoft.com/office/powerpoint/2010/main" val="1873721"/>
+        <p14:creationId xmlns:p14="http://schemas.microsoft.com/office/powerpoint/2010/main" val="1873721"/>
       </p:ext>
     </p:extLst>
   </p:cSld>
   <p:clrMapOvr>
     <a:masterClrMapping/>
   </p:clrMapOvr>
-  <p:timing>
-    <p:tnLst>
-      <p:par>
-        <p:cTn id="1" dur="indefinite" restart="never" nodeType="tmRoot"/>
-      </p:par>
-    </p:tnLst>
-  </p:timing>
 </p:sld>
 </file>
 
@@ -6154,7 +6132,7 @@
           <p:cNvPr id="2" name="Title 1">
             <a:extLst>
               <a:ext uri="{FF2B5EF4-FFF2-40B4-BE49-F238E27FC236}">
-                <a16:creationId xmlns="" xmlns:a16="http://schemas.microsoft.com/office/drawing/2014/main" id="{0FF4D5E7-A04E-4902-8C23-1F1612D6638C}"/>
+                <a16:creationId xmlns:a16="http://schemas.microsoft.com/office/drawing/2014/main" id="{0FF4D5E7-A04E-4902-8C23-1F1612D6638C}"/>
               </a:ext>
             </a:extLst>
           </p:cNvPr>
@@ -6191,7 +6169,7 @@
           <p:cNvPr id="3" name="Content Placeholder 2">
             <a:extLst>
               <a:ext uri="{FF2B5EF4-FFF2-40B4-BE49-F238E27FC236}">
-                <a16:creationId xmlns="" xmlns:a16="http://schemas.microsoft.com/office/drawing/2014/main" id="{F413EB06-2644-4ED8-905C-42BDFE2C43A4}"/>
+                <a16:creationId xmlns:a16="http://schemas.microsoft.com/office/drawing/2014/main" id="{F413EB06-2644-4ED8-905C-42BDFE2C43A4}"/>
               </a:ext>
             </a:extLst>
           </p:cNvPr>
@@ -6288,7 +6266,7 @@
           <p:cNvPr id="4" name="Content Placeholder 3">
             <a:extLst>
               <a:ext uri="{FF2B5EF4-FFF2-40B4-BE49-F238E27FC236}">
-                <a16:creationId xmlns="" xmlns:a16="http://schemas.microsoft.com/office/drawing/2014/main" id="{9CAE7178-E782-4D1F-A99F-56290705CA49}"/>
+                <a16:creationId xmlns:a16="http://schemas.microsoft.com/office/drawing/2014/main" id="{9CAE7178-E782-4D1F-A99F-56290705CA49}"/>
               </a:ext>
             </a:extLst>
           </p:cNvPr>
@@ -6335,18 +6313,10 @@
                   <a:schemeClr val="tx1"/>
                 </a:solidFill>
               </a:rPr>
-              <a:t>Dataset </a:t>
-            </a:r>
-            <a:r>
-              <a:rPr lang="en-US" sz="1600" dirty="0" smtClean="0">
-                <a:solidFill>
-                  <a:schemeClr val="tx1"/>
-                </a:solidFill>
-              </a:rPr>
-              <a:t>from </a:t>
-            </a:r>
-            <a:r>
-              <a:rPr lang="en-US" sz="1600" dirty="0" err="1" smtClean="0">
+              <a:t>Dataset from </a:t>
+            </a:r>
+            <a:r>
+              <a:rPr lang="en-US" sz="1600" dirty="0" err="1">
                 <a:solidFill>
                   <a:schemeClr val="tx1"/>
                 </a:solidFill>
@@ -6354,7 +6324,7 @@
               <a:t>Kaggle</a:t>
             </a:r>
             <a:r>
-              <a:rPr lang="en-US" sz="1600" dirty="0" smtClean="0">
+              <a:rPr lang="en-US" sz="1600" dirty="0">
                 <a:solidFill>
                   <a:schemeClr val="tx1"/>
                 </a:solidFill>
@@ -6368,50 +6338,13 @@
               <a:buChar char="v"/>
             </a:pPr>
             <a:r>
-              <a:rPr lang="en-US" sz="1400" dirty="0" smtClean="0">
+              <a:rPr lang="en-US" sz="1400" dirty="0">
                 <a:solidFill>
                   <a:schemeClr val="tx1"/>
                 </a:solidFill>
               </a:rPr>
-              <a:t>6</a:t>
-            </a:r>
-            <a:r>
-              <a:rPr lang="en-US" sz="1400" dirty="0" smtClean="0">
-                <a:solidFill>
-                  <a:schemeClr val="tx1"/>
-                </a:solidFill>
-              </a:rPr>
-              <a:t> </a:t>
-            </a:r>
-            <a:r>
-              <a:rPr lang="en-US" sz="1400" dirty="0">
-                <a:solidFill>
-                  <a:schemeClr val="tx1"/>
-                </a:solidFill>
-              </a:rPr>
-              <a:t>CSV files for the period </a:t>
-            </a:r>
-            <a:r>
-              <a:rPr lang="en-US" sz="1400" dirty="0" smtClean="0">
-                <a:solidFill>
-                  <a:schemeClr val="tx1"/>
-                </a:solidFill>
-              </a:rPr>
-              <a:t>2017 </a:t>
-            </a:r>
-            <a:r>
-              <a:rPr lang="en-US" sz="1400" dirty="0">
-                <a:solidFill>
-                  <a:schemeClr val="tx1"/>
-                </a:solidFill>
-              </a:rPr>
-              <a:t>- 2022 and </a:t>
-            </a:r>
-            <a:endParaRPr lang="en-US" sz="1400" dirty="0" smtClean="0">
-              <a:solidFill>
-                <a:schemeClr val="tx1"/>
-              </a:solidFill>
-            </a:endParaRPr>
+              <a:t>6 CSV files for the period 2017 - 2022 and </a:t>
+            </a:r>
           </a:p>
           <a:p>
             <a:pPr lvl="1">
@@ -6419,26 +6352,13 @@
               <a:buChar char="v"/>
             </a:pPr>
             <a:r>
-              <a:rPr lang="en-US" sz="1400" dirty="0" smtClean="0">
+              <a:rPr lang="en-US" sz="1400" dirty="0">
                 <a:solidFill>
                   <a:schemeClr val="tx1"/>
                 </a:solidFill>
               </a:rPr>
-              <a:t>A </a:t>
-            </a:r>
-            <a:r>
-              <a:rPr lang="en-US" sz="1400" dirty="0">
-                <a:solidFill>
-                  <a:schemeClr val="tx1"/>
-                </a:solidFill>
-              </a:rPr>
-              <a:t>combined CSV file with data for the whole period </a:t>
-            </a:r>
-            <a:endParaRPr lang="en-US" sz="1400" dirty="0" smtClean="0">
-              <a:solidFill>
-                <a:schemeClr val="tx1"/>
-              </a:solidFill>
-            </a:endParaRPr>
+              <a:t>A combined CSV file with data for the whole period </a:t>
+            </a:r>
           </a:p>
           <a:p>
             <a:pPr lvl="1">
@@ -6446,28 +6366,12 @@
               <a:buChar char="v"/>
             </a:pPr>
             <a:r>
-              <a:rPr lang="en-AU" sz="1400" dirty="0" smtClean="0">
+              <a:rPr lang="en-AU" sz="1400" dirty="0">
                 <a:solidFill>
                   <a:schemeClr val="tx1"/>
                 </a:solidFill>
               </a:rPr>
-              <a:t>A word cities </a:t>
-            </a:r>
-            <a:r>
-              <a:rPr lang="en-AU" sz="1400" dirty="0" err="1" smtClean="0">
-                <a:solidFill>
-                  <a:schemeClr val="tx1"/>
-                </a:solidFill>
-              </a:rPr>
-              <a:t>csv</a:t>
-            </a:r>
-            <a:r>
-              <a:rPr lang="en-AU" sz="1400" dirty="0" smtClean="0">
-                <a:solidFill>
-                  <a:schemeClr val="tx1"/>
-                </a:solidFill>
-              </a:rPr>
-              <a:t> file</a:t>
+              <a:t>A world cities csv file</a:t>
             </a:r>
             <a:endParaRPr lang="en-US" sz="1400" dirty="0">
               <a:solidFill>
@@ -6481,35 +6385,19 @@
               <a:buChar char="v"/>
             </a:pPr>
             <a:r>
-              <a:rPr lang="en-AU" dirty="0" smtClean="0"/>
+              <a:rPr lang="en-AU" dirty="0"/>
               <a:t> </a:t>
             </a:r>
             <a:r>
-              <a:rPr lang="en-AU" sz="1600" dirty="0" smtClean="0">
+              <a:rPr lang="en-AU" sz="1600" dirty="0">
                 <a:solidFill>
                   <a:schemeClr val="tx1"/>
                 </a:solidFill>
               </a:rPr>
-              <a:t>Data </a:t>
-            </a:r>
-            <a:r>
-              <a:rPr lang="en-AU" sz="1600" dirty="0" smtClean="0">
-                <a:solidFill>
-                  <a:schemeClr val="tx1"/>
-                </a:solidFill>
-              </a:rPr>
-              <a:t>sources </a:t>
-            </a:r>
-            <a:r>
-              <a:rPr lang="en-AU" sz="1600" dirty="0" smtClean="0">
-                <a:solidFill>
-                  <a:schemeClr val="tx1"/>
-                </a:solidFill>
-              </a:rPr>
-              <a:t>URLs</a:t>
-            </a:r>
-            <a:r>
-              <a:rPr lang="en-AU" sz="1600" dirty="0" smtClean="0"/>
+              <a:t>Data sources URLs</a:t>
+            </a:r>
+            <a:r>
+              <a:rPr lang="en-AU" sz="1600" dirty="0"/>
               <a:t>:</a:t>
             </a:r>
           </a:p>
@@ -6519,7 +6407,7 @@
               <a:buChar char="q"/>
             </a:pPr>
             <a:r>
-              <a:rPr lang="en-AU" sz="1400" dirty="0" smtClean="0">
+              <a:rPr lang="en-AU" sz="1400" dirty="0">
                 <a:solidFill>
                   <a:schemeClr val="tx1"/>
                 </a:solidFill>
@@ -6533,20 +6421,12 @@
               <a:buChar char="q"/>
             </a:pPr>
             <a:r>
-              <a:rPr lang="en-US" sz="1400" dirty="0" smtClean="0">
+              <a:rPr lang="en-US" sz="1400" dirty="0">
                 <a:solidFill>
                   <a:schemeClr val="tx1"/>
                 </a:solidFill>
               </a:rPr>
-              <a:t> https://</a:t>
-            </a:r>
-            <a:r>
-              <a:rPr lang="en-US" sz="1400" dirty="0" smtClean="0">
-                <a:solidFill>
-                  <a:schemeClr val="tx1"/>
-                </a:solidFill>
-              </a:rPr>
-              <a:t>www.kaggle.com/juanmah/world-cities</a:t>
+              <a:t> https://www.kaggle.com/juanmah/world-cities</a:t>
             </a:r>
           </a:p>
           <a:p>
@@ -6555,14 +6435,14 @@
               <a:buChar char="q"/>
             </a:pPr>
             <a:r>
-              <a:rPr lang="en-AU" sz="1400" dirty="0" smtClean="0">
+              <a:rPr lang="en-AU" sz="1400" dirty="0">
                 <a:solidFill>
                   <a:schemeClr val="tx1"/>
                 </a:solidFill>
               </a:rPr>
               <a:t> https://www.topuniversities.com/</a:t>
             </a:r>
-            <a:endParaRPr lang="en-US" sz="1400" dirty="0" smtClean="0">
+            <a:endParaRPr lang="en-US" sz="1400" dirty="0">
               <a:solidFill>
                 <a:schemeClr val="tx1"/>
               </a:solidFill>
@@ -6579,20 +6459,13 @@
     </p:spTree>
     <p:extLst>
       <p:ext uri="{BB962C8B-B14F-4D97-AF65-F5344CB8AC3E}">
-        <p14:creationId xmlns="" xmlns:p14="http://schemas.microsoft.com/office/powerpoint/2010/main" val="2521745381"/>
+        <p14:creationId xmlns:p14="http://schemas.microsoft.com/office/powerpoint/2010/main" val="2521745381"/>
       </p:ext>
     </p:extLst>
   </p:cSld>
   <p:clrMapOvr>
     <a:masterClrMapping/>
   </p:clrMapOvr>
-  <p:timing>
-    <p:tnLst>
-      <p:par>
-        <p:cTn id="1" dur="indefinite" restart="never" nodeType="tmRoot"/>
-      </p:par>
-    </p:tnLst>
-  </p:timing>
 </p:sld>
 </file>
 
@@ -6618,7 +6491,7 @@
           <p:cNvPr id="2" name="Title 1">
             <a:extLst>
               <a:ext uri="{FF2B5EF4-FFF2-40B4-BE49-F238E27FC236}">
-                <a16:creationId xmlns="" xmlns:a16="http://schemas.microsoft.com/office/drawing/2014/main" id="{2C09392E-FF36-4A1D-B40E-9BB9DBBA3970}"/>
+                <a16:creationId xmlns:a16="http://schemas.microsoft.com/office/drawing/2014/main" id="{2C09392E-FF36-4A1D-B40E-9BB9DBBA3970}"/>
               </a:ext>
             </a:extLst>
           </p:cNvPr>
@@ -6655,7 +6528,7 @@
           <p:cNvPr id="3" name="Content Placeholder 2">
             <a:extLst>
               <a:ext uri="{FF2B5EF4-FFF2-40B4-BE49-F238E27FC236}">
-                <a16:creationId xmlns="" xmlns:a16="http://schemas.microsoft.com/office/drawing/2014/main" id="{EEAB643A-AA04-4F7E-86ED-94A3449430BF}"/>
+                <a16:creationId xmlns:a16="http://schemas.microsoft.com/office/drawing/2014/main" id="{EEAB643A-AA04-4F7E-86ED-94A3449430BF}"/>
               </a:ext>
             </a:extLst>
           </p:cNvPr>
@@ -6709,16 +6582,12 @@
               <a:buChar char="§"/>
             </a:pPr>
             <a:r>
-              <a:rPr lang="en-US" u="sng" dirty="0" smtClean="0"/>
+              <a:rPr lang="en-US" u="sng" dirty="0"/>
               <a:t>E</a:t>
             </a:r>
             <a:r>
-              <a:rPr lang="en-US" dirty="0" smtClean="0"/>
-              <a:t>xtract data </a:t>
-            </a:r>
-            <a:r>
               <a:rPr lang="en-US" dirty="0"/>
-              <a:t>from the dataset</a:t>
+              <a:t>xtract data from the dataset</a:t>
             </a:r>
           </a:p>
           <a:p>
@@ -6751,7 +6620,7 @@
           </a:p>
           <a:p>
             <a:r>
-              <a:rPr lang="en-AU" dirty="0" smtClean="0"/>
+              <a:rPr lang="en-AU" dirty="0"/>
               <a:t>Perform data analytics on QS University Ranking</a:t>
             </a:r>
             <a:endParaRPr lang="en-US" dirty="0"/>
@@ -6764,20 +6633,13 @@
     </p:spTree>
     <p:extLst>
       <p:ext uri="{BB962C8B-B14F-4D97-AF65-F5344CB8AC3E}">
-        <p14:creationId xmlns="" xmlns:p14="http://schemas.microsoft.com/office/powerpoint/2010/main" val="3565044315"/>
+        <p14:creationId xmlns:p14="http://schemas.microsoft.com/office/powerpoint/2010/main" val="3565044315"/>
       </p:ext>
     </p:extLst>
   </p:cSld>
   <p:clrMapOvr>
     <a:masterClrMapping/>
   </p:clrMapOvr>
-  <p:timing>
-    <p:tnLst>
-      <p:par>
-        <p:cTn id="1" dur="indefinite" restart="never" nodeType="tmRoot"/>
-      </p:par>
-    </p:tnLst>
-  </p:timing>
 </p:sld>
 </file>
 
@@ -6803,7 +6665,7 @@
           <p:cNvPr id="2" name="Title 1">
             <a:extLst>
               <a:ext uri="{FF2B5EF4-FFF2-40B4-BE49-F238E27FC236}">
-                <a16:creationId xmlns="" xmlns:a16="http://schemas.microsoft.com/office/drawing/2014/main" id="{2C09392E-FF36-4A1D-B40E-9BB9DBBA3970}"/>
+                <a16:creationId xmlns:a16="http://schemas.microsoft.com/office/drawing/2014/main" id="{2C09392E-FF36-4A1D-B40E-9BB9DBBA3970}"/>
               </a:ext>
             </a:extLst>
           </p:cNvPr>
@@ -6826,18 +6688,13 @@
           <a:p>
             <a:pPr algn="ctr"/>
             <a:r>
-              <a:rPr lang="en-AU" dirty="0" smtClean="0">
+              <a:rPr lang="en-AU" dirty="0">
                 <a:solidFill>
                   <a:schemeClr val="tx1"/>
                 </a:solidFill>
               </a:rPr>
               <a:t>Extract, Transform, Load and Validate </a:t>
             </a:r>
-            <a:endParaRPr lang="en-AU" dirty="0">
-              <a:solidFill>
-                <a:schemeClr val="tx1"/>
-              </a:solidFill>
-            </a:endParaRPr>
           </a:p>
         </p:txBody>
       </p:sp>
@@ -6846,7 +6703,7 @@
           <p:cNvPr id="3" name="Content Placeholder 2">
             <a:extLst>
               <a:ext uri="{FF2B5EF4-FFF2-40B4-BE49-F238E27FC236}">
-                <a16:creationId xmlns="" xmlns:a16="http://schemas.microsoft.com/office/drawing/2014/main" id="{EEAB643A-AA04-4F7E-86ED-94A3449430BF}"/>
+                <a16:creationId xmlns:a16="http://schemas.microsoft.com/office/drawing/2014/main" id="{EEAB643A-AA04-4F7E-86ED-94A3449430BF}"/>
               </a:ext>
             </a:extLst>
           </p:cNvPr>
@@ -6874,22 +6731,22 @@
               <a:buAutoNum type="arabicPeriod"/>
             </a:pPr>
             <a:r>
-              <a:rPr lang="en-AU" dirty="0" smtClean="0"/>
+              <a:rPr lang="en-AU" dirty="0"/>
               <a:t>Extract data from </a:t>
             </a:r>
             <a:r>
-              <a:rPr lang="en-AU" dirty="0" err="1" smtClean="0"/>
+              <a:rPr lang="en-AU" dirty="0" err="1"/>
               <a:t>csv</a:t>
             </a:r>
             <a:r>
-              <a:rPr lang="en-AU" dirty="0" smtClean="0"/>
+              <a:rPr lang="en-AU" dirty="0"/>
               <a:t> files into pandas </a:t>
             </a:r>
             <a:r>
-              <a:rPr lang="en-AU" smtClean="0"/>
+              <a:rPr lang="en-AU"/>
               <a:t>dataframes</a:t>
             </a:r>
-            <a:endParaRPr lang="en-US" dirty="0" smtClean="0"/>
+            <a:endParaRPr lang="en-US" dirty="0"/>
           </a:p>
           <a:p>
             <a:pPr>
@@ -6897,7 +6754,7 @@
               <a:buAutoNum type="arabicPeriod"/>
             </a:pPr>
             <a:r>
-              <a:rPr lang="en-US" dirty="0" smtClean="0"/>
+              <a:rPr lang="en-US" dirty="0"/>
               <a:t>Techniques applied for transformation of the data to ensure no data loss:</a:t>
             </a:r>
           </a:p>
@@ -6907,18 +6764,18 @@
               <a:buChar char="§"/>
             </a:pPr>
             <a:r>
-              <a:rPr lang="en-US" dirty="0" err="1" smtClean="0"/>
+              <a:rPr lang="en-US" dirty="0" err="1"/>
               <a:t>Visualise</a:t>
             </a:r>
             <a:r>
-              <a:rPr lang="en-US" dirty="0" smtClean="0"/>
+              <a:rPr lang="en-US" dirty="0"/>
               <a:t> the “dirty data” of the entire data frame by using </a:t>
             </a:r>
             <a:r>
-              <a:rPr lang="en-US" dirty="0" err="1" smtClean="0"/>
+              <a:rPr lang="en-US" dirty="0" err="1"/>
               <a:t>seaborn</a:t>
             </a:r>
-            <a:endParaRPr lang="en-US" dirty="0" smtClean="0"/>
+            <a:endParaRPr lang="en-US" dirty="0"/>
           </a:p>
           <a:p>
             <a:pPr lvl="1">
@@ -6926,7 +6783,7 @@
               <a:buChar char="§"/>
             </a:pPr>
             <a:r>
-              <a:rPr lang="en-AU" dirty="0" smtClean="0"/>
+              <a:rPr lang="en-AU" dirty="0"/>
               <a:t>Locate the “dirty data” by using raw python</a:t>
             </a:r>
           </a:p>
@@ -6936,7 +6793,7 @@
               <a:buChar char="§"/>
             </a:pPr>
             <a:r>
-              <a:rPr lang="en-AU" dirty="0" smtClean="0"/>
+              <a:rPr lang="en-AU" dirty="0"/>
               <a:t>Clean the “dirty data”: </a:t>
             </a:r>
           </a:p>
@@ -6946,7 +6803,7 @@
               <a:buChar char="o"/>
             </a:pPr>
             <a:r>
-              <a:rPr lang="en-AU" dirty="0" smtClean="0"/>
+              <a:rPr lang="en-AU" dirty="0"/>
               <a:t>Validate the data (e.g. city name, university in multiple cities)</a:t>
             </a:r>
           </a:p>
@@ -6956,7 +6813,7 @@
               <a:buChar char="o"/>
             </a:pPr>
             <a:r>
-              <a:rPr lang="en-AU" dirty="0" smtClean="0"/>
+              <a:rPr lang="en-AU" dirty="0"/>
               <a:t>Look up and fill the missing strings from the another data source</a:t>
             </a:r>
           </a:p>
@@ -6966,7 +6823,7 @@
               <a:buChar char="o"/>
             </a:pPr>
             <a:r>
-              <a:rPr lang="en-AU" dirty="0" smtClean="0"/>
+              <a:rPr lang="en-AU" dirty="0"/>
               <a:t>Strip, drop, remove and filter the required data</a:t>
             </a:r>
           </a:p>
@@ -6976,7 +6833,7 @@
               <a:buChar char="o"/>
             </a:pPr>
             <a:r>
-              <a:rPr lang="en-AU" dirty="0" smtClean="0"/>
+              <a:rPr lang="en-AU" dirty="0"/>
               <a:t>Data conversion</a:t>
             </a:r>
           </a:p>
@@ -6986,7 +6843,7 @@
               <a:buChar char="o"/>
             </a:pPr>
             <a:r>
-              <a:rPr lang="en-AU" dirty="0" smtClean="0"/>
+              <a:rPr lang="en-AU" dirty="0"/>
               <a:t>Split/ Slice into sub data frames (prepare for the data load)</a:t>
             </a:r>
             <a:endParaRPr lang="en-US" dirty="0"/>
@@ -6997,15 +6854,15 @@
               <a:buAutoNum type="arabicPeriod"/>
             </a:pPr>
             <a:r>
-              <a:rPr lang="en-US" dirty="0" smtClean="0"/>
+              <a:rPr lang="en-US" dirty="0"/>
               <a:t>Load the cleaned data into </a:t>
             </a:r>
             <a:r>
-              <a:rPr lang="en-US" dirty="0" err="1" smtClean="0"/>
+              <a:rPr lang="en-US" dirty="0" err="1"/>
               <a:t>postgresql</a:t>
             </a:r>
             <a:r>
-              <a:rPr lang="en-US" dirty="0" smtClean="0"/>
+              <a:rPr lang="en-US" dirty="0"/>
               <a:t> database: </a:t>
             </a:r>
           </a:p>
@@ -7015,7 +6872,7 @@
               <a:buChar char="§"/>
             </a:pPr>
             <a:r>
-              <a:rPr lang="en-AU" dirty="0" smtClean="0"/>
+              <a:rPr lang="en-AU" dirty="0"/>
               <a:t>Created database with 2 or 3 tables by using pgAmin4</a:t>
             </a:r>
           </a:p>
@@ -7025,7 +6882,7 @@
               <a:buChar char="§"/>
             </a:pPr>
             <a:r>
-              <a:rPr lang="en-AU" dirty="0" smtClean="0"/>
+              <a:rPr lang="en-AU" dirty="0"/>
               <a:t>Load data to the database by using pandas</a:t>
             </a:r>
           </a:p>
@@ -7035,7 +6892,7 @@
               <a:buAutoNum type="arabicPeriod"/>
             </a:pPr>
             <a:r>
-              <a:rPr lang="en-AU" dirty="0" smtClean="0"/>
+              <a:rPr lang="en-AU" dirty="0"/>
               <a:t>Validate the data load and data loss (from the ETL process) with SQL queries</a:t>
             </a:r>
           </a:p>
@@ -7101,20 +6958,13 @@
     </p:spTree>
     <p:extLst>
       <p:ext uri="{BB962C8B-B14F-4D97-AF65-F5344CB8AC3E}">
-        <p14:creationId xmlns="" xmlns:p14="http://schemas.microsoft.com/office/powerpoint/2010/main" val="3565044315"/>
+        <p14:creationId xmlns:p14="http://schemas.microsoft.com/office/powerpoint/2010/main" val="3565044315"/>
       </p:ext>
     </p:extLst>
   </p:cSld>
   <p:clrMapOvr>
     <a:masterClrMapping/>
   </p:clrMapOvr>
-  <p:timing>
-    <p:tnLst>
-      <p:par>
-        <p:cTn id="1" dur="indefinite" restart="never" nodeType="tmRoot"/>
-      </p:par>
-    </p:tnLst>
-  </p:timing>
 </p:sld>
 </file>
 
@@ -7369,7 +7219,7 @@
   <a:extraClrSchemeLst/>
   <a:extLst>
     <a:ext uri="{05A4C25C-085E-4340-85A3-A5531E510DB2}">
-      <thm15:themeFamily xmlns="" xmlns:thm15="http://schemas.microsoft.com/office/thememl/2012/main" name="Facet" id="{C0C680CD-088A-49FC-A102-D699147F32B2}" vid="{CFBC31BA-B70F-4F30-BCAA-4F3011E16C4D}"/>
+      <thm15:themeFamily xmlns:thm15="http://schemas.microsoft.com/office/thememl/2012/main" name="Facet" id="{C0C680CD-088A-49FC-A102-D699147F32B2}" vid="{CFBC31BA-B70F-4F30-BCAA-4F3011E16C4D}"/>
     </a:ext>
   </a:extLst>
 </a:theme>
